--- a/presentacion competencia vf.pptx
+++ b/presentacion competencia vf.pptx
@@ -267,7 +267,7 @@
           <a:p>
             <a:fld id="{84AD4404-DFDD-4646-A665-4CF7C35E971D}" type="datetimeFigureOut">
               <a:rPr lang="es-CO" smtClean="0"/>
-              <a:t>12/10/19</a:t>
+              <a:t>12/10/2019</a:t>
             </a:fld>
             <a:endParaRPr lang="es-CO"/>
           </a:p>
@@ -309,7 +309,7 @@
           <a:p>
             <a:fld id="{66171BE2-AD29-4CD1-BD3E-B2AA044B8491}" type="slidenum">
               <a:rPr lang="es-CO" smtClean="0"/>
-              <a:t>‹#›</a:t>
+              <a:t>‹Nº›</a:t>
             </a:fld>
             <a:endParaRPr lang="es-CO"/>
           </a:p>
@@ -437,7 +437,7 @@
           <a:p>
             <a:fld id="{84AD4404-DFDD-4646-A665-4CF7C35E971D}" type="datetimeFigureOut">
               <a:rPr lang="es-CO" smtClean="0"/>
-              <a:t>12/10/19</a:t>
+              <a:t>12/10/2019</a:t>
             </a:fld>
             <a:endParaRPr lang="es-CO"/>
           </a:p>
@@ -479,7 +479,7 @@
           <a:p>
             <a:fld id="{66171BE2-AD29-4CD1-BD3E-B2AA044B8491}" type="slidenum">
               <a:rPr lang="es-CO" smtClean="0"/>
-              <a:t>‹#›</a:t>
+              <a:t>‹Nº›</a:t>
             </a:fld>
             <a:endParaRPr lang="es-CO"/>
           </a:p>
@@ -617,7 +617,7 @@
           <a:p>
             <a:fld id="{84AD4404-DFDD-4646-A665-4CF7C35E971D}" type="datetimeFigureOut">
               <a:rPr lang="es-CO" smtClean="0"/>
-              <a:t>12/10/19</a:t>
+              <a:t>12/10/2019</a:t>
             </a:fld>
             <a:endParaRPr lang="es-CO"/>
           </a:p>
@@ -659,7 +659,7 @@
           <a:p>
             <a:fld id="{66171BE2-AD29-4CD1-BD3E-B2AA044B8491}" type="slidenum">
               <a:rPr lang="es-CO" smtClean="0"/>
-              <a:t>‹#›</a:t>
+              <a:t>‹Nº›</a:t>
             </a:fld>
             <a:endParaRPr lang="es-CO"/>
           </a:p>
@@ -787,7 +787,7 @@
           <a:p>
             <a:fld id="{84AD4404-DFDD-4646-A665-4CF7C35E971D}" type="datetimeFigureOut">
               <a:rPr lang="es-CO" smtClean="0"/>
-              <a:t>12/10/19</a:t>
+              <a:t>12/10/2019</a:t>
             </a:fld>
             <a:endParaRPr lang="es-CO"/>
           </a:p>
@@ -829,7 +829,7 @@
           <a:p>
             <a:fld id="{66171BE2-AD29-4CD1-BD3E-B2AA044B8491}" type="slidenum">
               <a:rPr lang="es-CO" smtClean="0"/>
-              <a:t>‹#›</a:t>
+              <a:t>‹Nº›</a:t>
             </a:fld>
             <a:endParaRPr lang="es-CO"/>
           </a:p>
@@ -1031,7 +1031,7 @@
           <a:p>
             <a:fld id="{84AD4404-DFDD-4646-A665-4CF7C35E971D}" type="datetimeFigureOut">
               <a:rPr lang="es-CO" smtClean="0"/>
-              <a:t>12/10/19</a:t>
+              <a:t>12/10/2019</a:t>
             </a:fld>
             <a:endParaRPr lang="es-CO"/>
           </a:p>
@@ -1073,7 +1073,7 @@
           <a:p>
             <a:fld id="{66171BE2-AD29-4CD1-BD3E-B2AA044B8491}" type="slidenum">
               <a:rPr lang="es-CO" smtClean="0"/>
-              <a:t>‹#›</a:t>
+              <a:t>‹Nº›</a:t>
             </a:fld>
             <a:endParaRPr lang="es-CO"/>
           </a:p>
@@ -1263,7 +1263,7 @@
           <a:p>
             <a:fld id="{84AD4404-DFDD-4646-A665-4CF7C35E971D}" type="datetimeFigureOut">
               <a:rPr lang="es-CO" smtClean="0"/>
-              <a:t>12/10/19</a:t>
+              <a:t>12/10/2019</a:t>
             </a:fld>
             <a:endParaRPr lang="es-CO"/>
           </a:p>
@@ -1305,7 +1305,7 @@
           <a:p>
             <a:fld id="{66171BE2-AD29-4CD1-BD3E-B2AA044B8491}" type="slidenum">
               <a:rPr lang="es-CO" smtClean="0"/>
-              <a:t>‹#›</a:t>
+              <a:t>‹Nº›</a:t>
             </a:fld>
             <a:endParaRPr lang="es-CO"/>
           </a:p>
@@ -1630,7 +1630,7 @@
           <a:p>
             <a:fld id="{84AD4404-DFDD-4646-A665-4CF7C35E971D}" type="datetimeFigureOut">
               <a:rPr lang="es-CO" smtClean="0"/>
-              <a:t>12/10/19</a:t>
+              <a:t>12/10/2019</a:t>
             </a:fld>
             <a:endParaRPr lang="es-CO"/>
           </a:p>
@@ -1672,7 +1672,7 @@
           <a:p>
             <a:fld id="{66171BE2-AD29-4CD1-BD3E-B2AA044B8491}" type="slidenum">
               <a:rPr lang="es-CO" smtClean="0"/>
-              <a:t>‹#›</a:t>
+              <a:t>‹Nº›</a:t>
             </a:fld>
             <a:endParaRPr lang="es-CO"/>
           </a:p>
@@ -1748,7 +1748,7 @@
           <a:p>
             <a:fld id="{84AD4404-DFDD-4646-A665-4CF7C35E971D}" type="datetimeFigureOut">
               <a:rPr lang="es-CO" smtClean="0"/>
-              <a:t>12/10/19</a:t>
+              <a:t>12/10/2019</a:t>
             </a:fld>
             <a:endParaRPr lang="es-CO"/>
           </a:p>
@@ -1790,7 +1790,7 @@
           <a:p>
             <a:fld id="{66171BE2-AD29-4CD1-BD3E-B2AA044B8491}" type="slidenum">
               <a:rPr lang="es-CO" smtClean="0"/>
-              <a:t>‹#›</a:t>
+              <a:t>‹Nº›</a:t>
             </a:fld>
             <a:endParaRPr lang="es-CO"/>
           </a:p>
@@ -1843,7 +1843,7 @@
           <a:p>
             <a:fld id="{84AD4404-DFDD-4646-A665-4CF7C35E971D}" type="datetimeFigureOut">
               <a:rPr lang="es-CO" smtClean="0"/>
-              <a:t>12/10/19</a:t>
+              <a:t>12/10/2019</a:t>
             </a:fld>
             <a:endParaRPr lang="es-CO"/>
           </a:p>
@@ -1885,7 +1885,7 @@
           <a:p>
             <a:fld id="{66171BE2-AD29-4CD1-BD3E-B2AA044B8491}" type="slidenum">
               <a:rPr lang="es-CO" smtClean="0"/>
-              <a:t>‹#›</a:t>
+              <a:t>‹Nº›</a:t>
             </a:fld>
             <a:endParaRPr lang="es-CO"/>
           </a:p>
@@ -2120,7 +2120,7 @@
           <a:p>
             <a:fld id="{84AD4404-DFDD-4646-A665-4CF7C35E971D}" type="datetimeFigureOut">
               <a:rPr lang="es-CO" smtClean="0"/>
-              <a:t>12/10/19</a:t>
+              <a:t>12/10/2019</a:t>
             </a:fld>
             <a:endParaRPr lang="es-CO"/>
           </a:p>
@@ -2162,7 +2162,7 @@
           <a:p>
             <a:fld id="{66171BE2-AD29-4CD1-BD3E-B2AA044B8491}" type="slidenum">
               <a:rPr lang="es-CO" smtClean="0"/>
-              <a:t>‹#›</a:t>
+              <a:t>‹Nº›</a:t>
             </a:fld>
             <a:endParaRPr lang="es-CO"/>
           </a:p>
@@ -2377,7 +2377,7 @@
           <a:p>
             <a:fld id="{84AD4404-DFDD-4646-A665-4CF7C35E971D}" type="datetimeFigureOut">
               <a:rPr lang="es-CO" smtClean="0"/>
-              <a:t>12/10/19</a:t>
+              <a:t>12/10/2019</a:t>
             </a:fld>
             <a:endParaRPr lang="es-CO"/>
           </a:p>
@@ -2419,7 +2419,7 @@
           <a:p>
             <a:fld id="{66171BE2-AD29-4CD1-BD3E-B2AA044B8491}" type="slidenum">
               <a:rPr lang="es-CO" smtClean="0"/>
-              <a:t>‹#›</a:t>
+              <a:t>‹Nº›</a:t>
             </a:fld>
             <a:endParaRPr lang="es-CO"/>
           </a:p>
@@ -2599,7 +2599,7 @@
           <a:p>
             <a:fld id="{84AD4404-DFDD-4646-A665-4CF7C35E971D}" type="datetimeFigureOut">
               <a:rPr lang="es-CO" smtClean="0"/>
-              <a:t>12/10/19</a:t>
+              <a:t>12/10/2019</a:t>
             </a:fld>
             <a:endParaRPr lang="es-CO"/>
           </a:p>
@@ -2677,7 +2677,7 @@
           <a:p>
             <a:fld id="{66171BE2-AD29-4CD1-BD3E-B2AA044B8491}" type="slidenum">
               <a:rPr lang="es-CO" smtClean="0"/>
-              <a:t>‹#›</a:t>
+              <a:t>‹Nº›</a:t>
             </a:fld>
             <a:endParaRPr lang="es-CO"/>
           </a:p>
@@ -3330,6 +3330,58 @@
               </a:rPr>
               <a:t>Competencia Métodos Estadísticos Avanzados</a:t>
             </a:r>
+          </a:p>
+        </p:txBody>
+      </p:sp>
+      <p:sp>
+        <p:nvSpPr>
+          <p:cNvPr id="2" name="Rectángulo 1">
+            <a:extLst>
+              <a:ext uri="{FF2B5EF4-FFF2-40B4-BE49-F238E27FC236}">
+                <a16:creationId xmlns:a16="http://schemas.microsoft.com/office/drawing/2014/main" id="{579F8818-A407-481F-900E-89F033F93156}"/>
+              </a:ext>
+            </a:extLst>
+          </p:cNvPr>
+          <p:cNvSpPr/>
+          <p:nvPr/>
+        </p:nvSpPr>
+        <p:spPr>
+          <a:xfrm>
+            <a:off x="5804452" y="6029739"/>
+            <a:ext cx="1881809" cy="828261"/>
+          </a:xfrm>
+          <a:prstGeom prst="rect">
+            <a:avLst/>
+          </a:prstGeom>
+          <a:solidFill>
+            <a:srgbClr val="3F3F3F"/>
+          </a:solidFill>
+          <a:ln>
+            <a:noFill/>
+          </a:ln>
+        </p:spPr>
+        <p:style>
+          <a:lnRef idx="2">
+            <a:schemeClr val="accent1">
+              <a:shade val="50000"/>
+            </a:schemeClr>
+          </a:lnRef>
+          <a:fillRef idx="1">
+            <a:schemeClr val="accent1"/>
+          </a:fillRef>
+          <a:effectRef idx="0">
+            <a:schemeClr val="accent1"/>
+          </a:effectRef>
+          <a:fontRef idx="minor">
+            <a:schemeClr val="lt1"/>
+          </a:fontRef>
+        </p:style>
+        <p:txBody>
+          <a:bodyPr rtlCol="0" anchor="ctr"/>
+          <a:lstStyle/>
+          <a:p>
+            <a:pPr algn="ctr"/>
+            <a:endParaRPr lang="es-CO"/>
           </a:p>
         </p:txBody>
       </p:sp>
@@ -11707,15 +11759,6 @@
 </file>
 
 <file path=customXml/item1.xml><?xml version="1.0" encoding="utf-8"?>
-<p:properties xmlns:p="http://schemas.microsoft.com/office/2006/metadata/properties" xmlns:xsi="http://www.w3.org/2001/XMLSchema-instance" xmlns:pc="http://schemas.microsoft.com/office/infopath/2007/PartnerControls">
-  <documentManagement>
-    <PublishingExpirationDate xmlns="http://schemas.microsoft.com/sharepoint/v3" xsi:nil="true"/>
-    <PublishingStartDate xmlns="http://schemas.microsoft.com/sharepoint/v3" xsi:nil="true"/>
-  </documentManagement>
-</p:properties>
-</file>
-
-<file path=customXml/item2.xml><?xml version="1.0" encoding="utf-8"?>
 <ct:contentTypeSchema xmlns:ct="http://schemas.microsoft.com/office/2006/metadata/contentType" xmlns:ma="http://schemas.microsoft.com/office/2006/metadata/properties/metaAttributes" ct:_="" ma:_="" ma:contentTypeName="Documento" ma:contentTypeID="0x010100655AE6D807F51243AA4F5C4C94A1212C" ma:contentTypeVersion="1" ma:contentTypeDescription="Crear nuevo documento." ma:contentTypeScope="" ma:versionID="7cfe72e1b8adc78bbb46a3abfa982ec2">
   <xsd:schema xmlns:xsd="http://www.w3.org/2001/XMLSchema" xmlns:xs="http://www.w3.org/2001/XMLSchema" xmlns:p="http://schemas.microsoft.com/office/2006/metadata/properties" xmlns:ns1="http://schemas.microsoft.com/sharepoint/v3" targetNamespace="http://schemas.microsoft.com/office/2006/metadata/properties" ma:root="true" ma:fieldsID="0fa58ab6bdef439119b64b6b50b7cac5" ns1:_="">
     <xsd:import namespace="http://schemas.microsoft.com/sharepoint/v3"/>
@@ -11847,6 +11890,15 @@
 </ct:contentTypeSchema>
 </file>
 
+<file path=customXml/item2.xml><?xml version="1.0" encoding="utf-8"?>
+<p:properties xmlns:p="http://schemas.microsoft.com/office/2006/metadata/properties" xmlns:xsi="http://www.w3.org/2001/XMLSchema-instance" xmlns:pc="http://schemas.microsoft.com/office/infopath/2007/PartnerControls">
+  <documentManagement>
+    <PublishingExpirationDate xmlns="http://schemas.microsoft.com/sharepoint/v3" xsi:nil="true"/>
+    <PublishingStartDate xmlns="http://schemas.microsoft.com/sharepoint/v3" xsi:nil="true"/>
+  </documentManagement>
+</p:properties>
+</file>
+
 <file path=customXml/item3.xml><?xml version="1.0" encoding="utf-8"?>
 <?mso-contentType ?>
 <FormTemplates xmlns="http://schemas.microsoft.com/sharepoint/v3/contenttype/forms">
@@ -11857,22 +11909,6 @@
 </file>
 
 <file path=customXml/itemProps1.xml><?xml version="1.0" encoding="utf-8"?>
-<ds:datastoreItem xmlns:ds="http://schemas.openxmlformats.org/officeDocument/2006/customXml" ds:itemID="{D7CD6CA4-6CFE-4061-B535-647B368BFA1F}">
-  <ds:schemaRefs>
-    <ds:schemaRef ds:uri="http://schemas.openxmlformats.org/package/2006/metadata/core-properties"/>
-    <ds:schemaRef ds:uri="http://schemas.microsoft.com/office/2006/documentManagement/types"/>
-    <ds:schemaRef ds:uri="http://schemas.microsoft.com/office/infopath/2007/PartnerControls"/>
-    <ds:schemaRef ds:uri="http://purl.org/dc/elements/1.1/"/>
-    <ds:schemaRef ds:uri="http://schemas.microsoft.com/office/2006/metadata/properties"/>
-    <ds:schemaRef ds:uri="http://schemas.microsoft.com/sharepoint/v3"/>
-    <ds:schemaRef ds:uri="http://purl.org/dc/terms/"/>
-    <ds:schemaRef ds:uri="http://www.w3.org/XML/1998/namespace"/>
-    <ds:schemaRef ds:uri="http://purl.org/dc/dcmitype/"/>
-  </ds:schemaRefs>
-</ds:datastoreItem>
-</file>
-
-<file path=customXml/itemProps2.xml><?xml version="1.0" encoding="utf-8"?>
 <ds:datastoreItem xmlns:ds="http://schemas.openxmlformats.org/officeDocument/2006/customXml" ds:itemID="{296DB8D0-A475-4C0E-BC41-DB2DEFE59423}">
   <ds:schemaRefs>
     <ds:schemaRef ds:uri="http://schemas.microsoft.com/office/2006/metadata/contentType"/>
@@ -11890,6 +11926,22 @@
 </ds:datastoreItem>
 </file>
 
+<file path=customXml/itemProps2.xml><?xml version="1.0" encoding="utf-8"?>
+<ds:datastoreItem xmlns:ds="http://schemas.openxmlformats.org/officeDocument/2006/customXml" ds:itemID="{D7CD6CA4-6CFE-4061-B535-647B368BFA1F}">
+  <ds:schemaRefs>
+    <ds:schemaRef ds:uri="http://schemas.openxmlformats.org/package/2006/metadata/core-properties"/>
+    <ds:schemaRef ds:uri="http://schemas.microsoft.com/office/2006/documentManagement/types"/>
+    <ds:schemaRef ds:uri="http://schemas.microsoft.com/office/infopath/2007/PartnerControls"/>
+    <ds:schemaRef ds:uri="http://purl.org/dc/elements/1.1/"/>
+    <ds:schemaRef ds:uri="http://schemas.microsoft.com/office/2006/metadata/properties"/>
+    <ds:schemaRef ds:uri="http://schemas.microsoft.com/sharepoint/v3"/>
+    <ds:schemaRef ds:uri="http://purl.org/dc/terms/"/>
+    <ds:schemaRef ds:uri="http://www.w3.org/XML/1998/namespace"/>
+    <ds:schemaRef ds:uri="http://purl.org/dc/dcmitype/"/>
+  </ds:schemaRefs>
+</ds:datastoreItem>
+</file>
+
 <file path=customXml/itemProps3.xml><?xml version="1.0" encoding="utf-8"?>
 <ds:datastoreItem xmlns:ds="http://schemas.openxmlformats.org/officeDocument/2006/customXml" ds:itemID="{F6BBD60B-373E-444B-ACF7-8D3E173682A9}">
   <ds:schemaRefs>
